--- a/lab_data_initial_summary.pptx
+++ b/lab_data_initial_summary.pptx
@@ -5,11 +5,12 @@
     <p:sldMasterId id="2147483660" r:id="rId1"/>
   </p:sldMasterIdLst>
   <p:notesMasterIdLst>
-    <p:notesMasterId r:id="rId4"/>
+    <p:notesMasterId r:id="rId5"/>
   </p:notesMasterIdLst>
   <p:sldIdLst>
     <p:sldId id="263" r:id="rId2"/>
     <p:sldId id="264" r:id="rId3"/>
+    <p:sldId id="265" r:id="rId4"/>
   </p:sldIdLst>
   <p:sldSz cx="9144000" cy="5143500" type="screen16x9"/>
   <p:notesSz cx="6858000" cy="9144000"/>
@@ -209,7 +210,7 @@
           <a:p>
             <a:fld id="{0F9C1CCF-B725-44A7-AA57-5E433BD85C9F}" type="datetimeFigureOut">
               <a:rPr lang="en-US" smtClean="0"/>
-              <a:t>1/8/2025</a:t>
+              <a:t>1/9/2025</a:t>
             </a:fld>
             <a:endParaRPr lang="en-US"/>
           </a:p>
@@ -9082,6 +9083,1586 @@
 </p:sld>
 </file>
 
+<file path=ppt/slides/slide3.xml><?xml version="1.0" encoding="utf-8"?>
+<p:sld xmlns:a="http://schemas.openxmlformats.org/drawingml/2006/main" xmlns:r="http://schemas.openxmlformats.org/officeDocument/2006/relationships" xmlns:p="http://schemas.openxmlformats.org/presentationml/2006/main">
+  <p:cSld>
+    <p:spTree>
+      <p:nvGrpSpPr>
+        <p:cNvPr id="1" name=""/>
+        <p:cNvGrpSpPr/>
+        <p:nvPr/>
+      </p:nvGrpSpPr>
+      <p:grpSpPr>
+        <a:xfrm>
+          <a:off x="0" y="0"/>
+          <a:ext cx="0" cy="0"/>
+          <a:chOff x="0" y="0"/>
+          <a:chExt cx="0" cy="0"/>
+        </a:xfrm>
+      </p:grpSpPr>
+      <p:sp>
+        <p:nvSpPr>
+          <p:cNvPr id="2" name="Title 1">
+            <a:extLst>
+              <a:ext uri="{FF2B5EF4-FFF2-40B4-BE49-F238E27FC236}">
+                <a16:creationId xmlns:a16="http://schemas.microsoft.com/office/drawing/2014/main" id="{972FA0DC-0973-2207-9187-CC66F5F3D047}"/>
+              </a:ext>
+            </a:extLst>
+          </p:cNvPr>
+          <p:cNvSpPr>
+            <a:spLocks noGrp="1"/>
+          </p:cNvSpPr>
+          <p:nvPr>
+            <p:ph type="title"/>
+          </p:nvPr>
+        </p:nvSpPr>
+        <p:spPr>
+          <a:xfrm>
+            <a:off x="244181" y="102393"/>
+            <a:ext cx="8584622" cy="633629"/>
+          </a:xfrm>
+        </p:spPr>
+        <p:txBody>
+          <a:bodyPr anchor="t">
+            <a:normAutofit/>
+          </a:bodyPr>
+          <a:lstStyle/>
+          <a:p>
+            <a:r>
+              <a:rPr lang="en-US" dirty="0"/>
+              <a:t>Cost comparison</a:t>
+            </a:r>
+            <a:endParaRPr lang="en-GB" dirty="0"/>
+          </a:p>
+        </p:txBody>
+      </p:sp>
+      <p:sp>
+        <p:nvSpPr>
+          <p:cNvPr id="3" name="Slide Number Placeholder 2">
+            <a:extLst>
+              <a:ext uri="{FF2B5EF4-FFF2-40B4-BE49-F238E27FC236}">
+                <a16:creationId xmlns:a16="http://schemas.microsoft.com/office/drawing/2014/main" id="{F6812DF5-F42C-2641-BF82-F857E303E20C}"/>
+              </a:ext>
+            </a:extLst>
+          </p:cNvPr>
+          <p:cNvSpPr>
+            <a:spLocks noGrp="1"/>
+          </p:cNvSpPr>
+          <p:nvPr>
+            <p:ph type="sldNum" sz="quarter" idx="12"/>
+          </p:nvPr>
+        </p:nvSpPr>
+        <p:spPr>
+          <a:xfrm>
+            <a:off x="8283286" y="4767263"/>
+            <a:ext cx="569768" cy="273844"/>
+          </a:xfrm>
+        </p:spPr>
+        <p:txBody>
+          <a:bodyPr anchor="b">
+            <a:normAutofit/>
+          </a:bodyPr>
+          <a:lstStyle/>
+          <a:p>
+            <a:pPr>
+              <a:spcAft>
+                <a:spcPts val="600"/>
+              </a:spcAft>
+            </a:pPr>
+            <a:fld id="{06A44ADC-FBC0-4698-B0EC-1AD4A4060383}" type="slidenum">
+              <a:rPr lang="en-GB" smtClean="0"/>
+              <a:pPr>
+                <a:spcAft>
+                  <a:spcPts val="600"/>
+                </a:spcAft>
+              </a:pPr>
+              <a:t>3</a:t>
+            </a:fld>
+            <a:endParaRPr lang="en-GB"/>
+          </a:p>
+        </p:txBody>
+      </p:sp>
+      <p:graphicFrame>
+        <p:nvGraphicFramePr>
+          <p:cNvPr id="5" name="Table 4">
+            <a:extLst>
+              <a:ext uri="{FF2B5EF4-FFF2-40B4-BE49-F238E27FC236}">
+                <a16:creationId xmlns:a16="http://schemas.microsoft.com/office/drawing/2014/main" id="{FF47AE13-2DE6-E3DF-8E9E-D762115DD0B7}"/>
+              </a:ext>
+            </a:extLst>
+          </p:cNvPr>
+          <p:cNvGraphicFramePr>
+            <a:graphicFrameLocks noGrp="1"/>
+          </p:cNvGraphicFramePr>
+          <p:nvPr>
+            <p:extLst>
+              <p:ext uri="{D42A27DB-BD31-4B8C-83A1-F6EECF244321}">
+                <p14:modId xmlns:p14="http://schemas.microsoft.com/office/powerpoint/2010/main" val="3646628488"/>
+              </p:ext>
+            </p:extLst>
+          </p:nvPr>
+        </p:nvGraphicFramePr>
+        <p:xfrm>
+          <a:off x="818115" y="684325"/>
+          <a:ext cx="7004645" cy="2893421"/>
+        </p:xfrm>
+        <a:graphic>
+          <a:graphicData uri="http://schemas.openxmlformats.org/drawingml/2006/table">
+            <a:tbl>
+              <a:tblPr firstRow="1" bandRow="1">
+                <a:tableStyleId>{69012ECD-51FC-41F1-AA8D-1B2483CD663E}</a:tableStyleId>
+              </a:tblPr>
+              <a:tblGrid>
+                <a:gridCol w="2578114">
+                  <a:extLst>
+                    <a:ext uri="{9D8B030D-6E8A-4147-A177-3AD203B41FA5}">
+                      <a16:colId xmlns:a16="http://schemas.microsoft.com/office/drawing/2014/main" val="3437339181"/>
+                    </a:ext>
+                  </a:extLst>
+                </a:gridCol>
+                <a:gridCol w="2440492">
+                  <a:extLst>
+                    <a:ext uri="{9D8B030D-6E8A-4147-A177-3AD203B41FA5}">
+                      <a16:colId xmlns:a16="http://schemas.microsoft.com/office/drawing/2014/main" val="156928592"/>
+                    </a:ext>
+                  </a:extLst>
+                </a:gridCol>
+                <a:gridCol w="1986039">
+                  <a:extLst>
+                    <a:ext uri="{9D8B030D-6E8A-4147-A177-3AD203B41FA5}">
+                      <a16:colId xmlns:a16="http://schemas.microsoft.com/office/drawing/2014/main" val="3028519737"/>
+                    </a:ext>
+                  </a:extLst>
+                </a:gridCol>
+              </a:tblGrid>
+              <a:tr h="444872">
+                <a:tc>
+                  <a:txBody>
+                    <a:bodyPr/>
+                    <a:lstStyle/>
+                    <a:p>
+                      <a:pPr algn="ctr" fontAlgn="ctr"/>
+                      <a:endParaRPr lang="en-GB" sz="1400" b="0" i="0" u="none" strike="noStrike" dirty="0">
+                        <a:solidFill>
+                          <a:srgbClr val="000000"/>
+                        </a:solidFill>
+                        <a:effectLst/>
+                        <a:latin typeface="Calibri" panose="020F0502020204030204" pitchFamily="34" charset="0"/>
+                      </a:endParaRPr>
+                    </a:p>
+                  </a:txBody>
+                  <a:tcPr marL="10072" marR="10072" marT="10072" marB="0" anchor="ctr">
+                    <a:lnL w="6350" cap="flat" cmpd="sng" algn="ctr">
+                      <a:noFill/>
+                      <a:prstDash val="solid"/>
+                      <a:miter lim="800000"/>
+                    </a:lnL>
+                    <a:lnR w="12700" cap="flat" cmpd="sng" algn="ctr">
+                      <a:solidFill>
+                        <a:schemeClr val="tx1"/>
+                      </a:solidFill>
+                      <a:prstDash val="solid"/>
+                      <a:round/>
+                      <a:headEnd type="none" w="med" len="med"/>
+                      <a:tailEnd type="none" w="med" len="med"/>
+                    </a:lnR>
+                    <a:lnT w="6350" cap="flat" cmpd="sng" algn="ctr">
+                      <a:noFill/>
+                      <a:prstDash val="solid"/>
+                      <a:miter lim="800000"/>
+                    </a:lnT>
+                    <a:lnB w="12700" cap="flat" cmpd="sng" algn="ctr">
+                      <a:solidFill>
+                        <a:schemeClr val="tx1"/>
+                      </a:solidFill>
+                      <a:prstDash val="solid"/>
+                      <a:round/>
+                      <a:headEnd type="none" w="med" len="med"/>
+                      <a:tailEnd type="none" w="med" len="med"/>
+                    </a:lnB>
+                    <a:lnTlToBr w="12700" cmpd="sng">
+                      <a:noFill/>
+                      <a:prstDash val="solid"/>
+                    </a:lnTlToBr>
+                    <a:lnBlToTr w="12700" cmpd="sng">
+                      <a:noFill/>
+                      <a:prstDash val="solid"/>
+                    </a:lnBlToTr>
+                    <a:noFill/>
+                  </a:tcPr>
+                </a:tc>
+                <a:tc>
+                  <a:txBody>
+                    <a:bodyPr/>
+                    <a:lstStyle/>
+                    <a:p>
+                      <a:pPr algn="ctr" fontAlgn="ctr"/>
+                      <a:r>
+                        <a:rPr lang="en-GB" sz="1400" b="0" u="none" strike="noStrike" dirty="0">
+                          <a:effectLst/>
+                        </a:rPr>
+                        <a:t>Buprenorphine depot injection weekly</a:t>
+                      </a:r>
+                      <a:endParaRPr lang="en-GB" sz="1400" b="0" i="0" u="none" strike="noStrike" dirty="0">
+                        <a:solidFill>
+                          <a:srgbClr val="000000"/>
+                        </a:solidFill>
+                        <a:effectLst/>
+                        <a:latin typeface="Calibri" panose="020F0502020204030204" pitchFamily="34" charset="0"/>
+                      </a:endParaRPr>
+                    </a:p>
+                  </a:txBody>
+                  <a:tcPr marL="10072" marR="10072" marT="10072" marB="0" anchor="ctr">
+                    <a:lnL w="12700" cap="flat" cmpd="sng" algn="ctr">
+                      <a:solidFill>
+                        <a:schemeClr val="tx1"/>
+                      </a:solidFill>
+                      <a:prstDash val="solid"/>
+                      <a:round/>
+                      <a:headEnd type="none" w="med" len="med"/>
+                      <a:tailEnd type="none" w="med" len="med"/>
+                    </a:lnL>
+                    <a:lnT w="12700" cap="flat" cmpd="sng" algn="ctr">
+                      <a:solidFill>
+                        <a:schemeClr val="tx1"/>
+                      </a:solidFill>
+                      <a:prstDash val="solid"/>
+                      <a:round/>
+                      <a:headEnd type="none" w="med" len="med"/>
+                      <a:tailEnd type="none" w="med" len="med"/>
+                    </a:lnT>
+                    <a:lnB w="12700" cap="flat" cmpd="sng" algn="ctr">
+                      <a:solidFill>
+                        <a:schemeClr val="tx1"/>
+                      </a:solidFill>
+                      <a:prstDash val="solid"/>
+                      <a:round/>
+                      <a:headEnd type="none" w="med" len="med"/>
+                      <a:tailEnd type="none" w="med" len="med"/>
+                    </a:lnB>
+                  </a:tcPr>
+                </a:tc>
+                <a:tc>
+                  <a:txBody>
+                    <a:bodyPr/>
+                    <a:lstStyle/>
+                    <a:p>
+                      <a:pPr algn="ctr" fontAlgn="ctr"/>
+                      <a:r>
+                        <a:rPr lang="en-GB" sz="1400" b="0" u="none" strike="noStrike" dirty="0">
+                          <a:effectLst/>
+                        </a:rPr>
+                        <a:t>Buprenorphine depot injection monthly</a:t>
+                      </a:r>
+                      <a:endParaRPr lang="en-GB" sz="1400" b="0" i="0" u="none" strike="noStrike" dirty="0">
+                        <a:solidFill>
+                          <a:srgbClr val="000000"/>
+                        </a:solidFill>
+                        <a:effectLst/>
+                        <a:latin typeface="Calibri" panose="020F0502020204030204" pitchFamily="34" charset="0"/>
+                      </a:endParaRPr>
+                    </a:p>
+                  </a:txBody>
+                  <a:tcPr marL="10072" marR="10072" marT="10072" marB="0" anchor="ctr">
+                    <a:lnR w="12700" cap="flat" cmpd="sng" algn="ctr">
+                      <a:solidFill>
+                        <a:schemeClr val="tx1"/>
+                      </a:solidFill>
+                      <a:prstDash val="solid"/>
+                      <a:round/>
+                      <a:headEnd type="none" w="med" len="med"/>
+                      <a:tailEnd type="none" w="med" len="med"/>
+                    </a:lnR>
+                    <a:lnT w="12700" cap="flat" cmpd="sng" algn="ctr">
+                      <a:solidFill>
+                        <a:schemeClr val="tx1"/>
+                      </a:solidFill>
+                      <a:prstDash val="solid"/>
+                      <a:round/>
+                      <a:headEnd type="none" w="med" len="med"/>
+                      <a:tailEnd type="none" w="med" len="med"/>
+                    </a:lnT>
+                    <a:lnB w="12700" cap="flat" cmpd="sng" algn="ctr">
+                      <a:solidFill>
+                        <a:schemeClr val="tx1"/>
+                      </a:solidFill>
+                      <a:prstDash val="solid"/>
+                      <a:round/>
+                      <a:headEnd type="none" w="med" len="med"/>
+                      <a:tailEnd type="none" w="med" len="med"/>
+                    </a:lnB>
+                  </a:tcPr>
+                </a:tc>
+                <a:extLst>
+                  <a:ext uri="{0D108BD9-81ED-4DB2-BD59-A6C34878D82A}">
+                    <a16:rowId xmlns:a16="http://schemas.microsoft.com/office/drawing/2014/main" val="1992260696"/>
+                  </a:ext>
+                </a:extLst>
+              </a:tr>
+              <a:tr h="316145">
+                <a:tc>
+                  <a:txBody>
+                    <a:bodyPr/>
+                    <a:lstStyle/>
+                    <a:p>
+                      <a:pPr lvl="0" algn="l" fontAlgn="ctr"/>
+                      <a:r>
+                        <a:rPr lang="en-GB" sz="1400" u="none" strike="noStrike" dirty="0">
+                          <a:solidFill>
+                            <a:schemeClr val="bg1"/>
+                          </a:solidFill>
+                          <a:effectLst/>
+                          <a:latin typeface="+mn-lt"/>
+                        </a:rPr>
+                        <a:t>Oral methadone daily </a:t>
+                      </a:r>
+                    </a:p>
+                  </a:txBody>
+                  <a:tcPr marL="302169" marR="10072" marT="10072" marB="0" anchor="ctr">
+                    <a:lnL w="12700" cap="flat" cmpd="sng" algn="ctr">
+                      <a:solidFill>
+                        <a:schemeClr val="tx1"/>
+                      </a:solidFill>
+                      <a:prstDash val="solid"/>
+                      <a:round/>
+                      <a:headEnd type="none" w="med" len="med"/>
+                      <a:tailEnd type="none" w="med" len="med"/>
+                    </a:lnL>
+                    <a:lnR w="12700" cap="flat" cmpd="sng" algn="ctr">
+                      <a:solidFill>
+                        <a:schemeClr val="tx1"/>
+                      </a:solidFill>
+                      <a:prstDash val="solid"/>
+                      <a:round/>
+                      <a:headEnd type="none" w="med" len="med"/>
+                      <a:tailEnd type="none" w="med" len="med"/>
+                    </a:lnR>
+                    <a:lnT w="12700" cap="flat" cmpd="sng" algn="ctr">
+                      <a:solidFill>
+                        <a:schemeClr val="tx1"/>
+                      </a:solidFill>
+                      <a:prstDash val="solid"/>
+                      <a:round/>
+                      <a:headEnd type="none" w="med" len="med"/>
+                      <a:tailEnd type="none" w="med" len="med"/>
+                    </a:lnT>
+                    <a:lnB w="12700" cap="flat" cmpd="sng" algn="ctr">
+                      <a:solidFill>
+                        <a:schemeClr val="tx1"/>
+                      </a:solidFill>
+                      <a:prstDash val="solid"/>
+                      <a:round/>
+                      <a:headEnd type="none" w="med" len="med"/>
+                      <a:tailEnd type="none" w="med" len="med"/>
+                    </a:lnB>
+                    <a:solidFill>
+                      <a:schemeClr val="accent1"/>
+                    </a:solidFill>
+                  </a:tcPr>
+                </a:tc>
+                <a:tc>
+                  <a:txBody>
+                    <a:bodyPr/>
+                    <a:lstStyle/>
+                    <a:p>
+                      <a:pPr algn="ctr" fontAlgn="ctr"/>
+                      <a:r>
+                        <a:rPr lang="en-GB" sz="1400" u="none" strike="noStrike" dirty="0">
+                          <a:effectLst/>
+                          <a:latin typeface="+mn-lt"/>
+                        </a:rPr>
+                        <a:t>£2,454</a:t>
+                      </a:r>
+                      <a:endParaRPr lang="en-GB" sz="1400" b="0" i="0" u="none" strike="noStrike" dirty="0">
+                        <a:solidFill>
+                          <a:srgbClr val="000000"/>
+                        </a:solidFill>
+                        <a:effectLst/>
+                        <a:latin typeface="+mn-lt"/>
+                      </a:endParaRPr>
+                    </a:p>
+                  </a:txBody>
+                  <a:tcPr marL="10072" marR="10072" marT="10072" marB="0" anchor="ctr">
+                    <a:lnL w="12700" cap="flat" cmpd="sng" algn="ctr">
+                      <a:solidFill>
+                        <a:schemeClr val="tx1"/>
+                      </a:solidFill>
+                      <a:prstDash val="solid"/>
+                      <a:round/>
+                      <a:headEnd type="none" w="med" len="med"/>
+                      <a:tailEnd type="none" w="med" len="med"/>
+                    </a:lnL>
+                    <a:lnR w="12700" cap="flat" cmpd="sng" algn="ctr">
+                      <a:solidFill>
+                        <a:schemeClr val="tx1"/>
+                      </a:solidFill>
+                      <a:prstDash val="solid"/>
+                      <a:round/>
+                      <a:headEnd type="none" w="med" len="med"/>
+                      <a:tailEnd type="none" w="med" len="med"/>
+                    </a:lnR>
+                    <a:lnT w="12700" cap="flat" cmpd="sng" algn="ctr">
+                      <a:solidFill>
+                        <a:schemeClr val="tx1"/>
+                      </a:solidFill>
+                      <a:prstDash val="solid"/>
+                      <a:round/>
+                      <a:headEnd type="none" w="med" len="med"/>
+                      <a:tailEnd type="none" w="med" len="med"/>
+                    </a:lnT>
+                    <a:lnB w="12700" cap="flat" cmpd="sng" algn="ctr">
+                      <a:solidFill>
+                        <a:schemeClr val="tx1"/>
+                      </a:solidFill>
+                      <a:prstDash val="solid"/>
+                      <a:round/>
+                      <a:headEnd type="none" w="med" len="med"/>
+                      <a:tailEnd type="none" w="med" len="med"/>
+                    </a:lnB>
+                  </a:tcPr>
+                </a:tc>
+                <a:tc>
+                  <a:txBody>
+                    <a:bodyPr/>
+                    <a:lstStyle/>
+                    <a:p>
+                      <a:pPr algn="ctr" fontAlgn="ctr"/>
+                      <a:r>
+                        <a:rPr lang="en-GB" sz="1400" u="none" strike="noStrike" dirty="0">
+                          <a:effectLst/>
+                          <a:latin typeface="+mn-lt"/>
+                        </a:rPr>
+                        <a:t>£900</a:t>
+                      </a:r>
+                      <a:endParaRPr lang="en-GB" sz="1400" b="0" i="0" u="none" strike="noStrike" dirty="0">
+                        <a:solidFill>
+                          <a:srgbClr val="000000"/>
+                        </a:solidFill>
+                        <a:effectLst/>
+                        <a:latin typeface="+mn-lt"/>
+                      </a:endParaRPr>
+                    </a:p>
+                  </a:txBody>
+                  <a:tcPr marL="10072" marR="10072" marT="10072" marB="0" anchor="ctr">
+                    <a:lnL w="12700" cap="flat" cmpd="sng" algn="ctr">
+                      <a:solidFill>
+                        <a:schemeClr val="tx1"/>
+                      </a:solidFill>
+                      <a:prstDash val="solid"/>
+                      <a:round/>
+                      <a:headEnd type="none" w="med" len="med"/>
+                      <a:tailEnd type="none" w="med" len="med"/>
+                    </a:lnL>
+                    <a:lnR w="12700" cap="flat" cmpd="sng" algn="ctr">
+                      <a:solidFill>
+                        <a:schemeClr val="tx1"/>
+                      </a:solidFill>
+                      <a:prstDash val="solid"/>
+                      <a:round/>
+                      <a:headEnd type="none" w="med" len="med"/>
+                      <a:tailEnd type="none" w="med" len="med"/>
+                    </a:lnR>
+                    <a:lnT w="12700" cap="flat" cmpd="sng" algn="ctr">
+                      <a:solidFill>
+                        <a:schemeClr val="tx1"/>
+                      </a:solidFill>
+                      <a:prstDash val="solid"/>
+                      <a:round/>
+                      <a:headEnd type="none" w="med" len="med"/>
+                      <a:tailEnd type="none" w="med" len="med"/>
+                    </a:lnT>
+                    <a:lnB w="12700" cap="flat" cmpd="sng" algn="ctr">
+                      <a:solidFill>
+                        <a:schemeClr val="tx1"/>
+                      </a:solidFill>
+                      <a:prstDash val="solid"/>
+                      <a:round/>
+                      <a:headEnd type="none" w="med" len="med"/>
+                      <a:tailEnd type="none" w="med" len="med"/>
+                    </a:lnB>
+                  </a:tcPr>
+                </a:tc>
+                <a:extLst>
+                  <a:ext uri="{0D108BD9-81ED-4DB2-BD59-A6C34878D82A}">
+                    <a16:rowId xmlns:a16="http://schemas.microsoft.com/office/drawing/2014/main" val="2641505542"/>
+                  </a:ext>
+                </a:extLst>
+              </a:tr>
+              <a:tr h="398894">
+                <a:tc>
+                  <a:txBody>
+                    <a:bodyPr/>
+                    <a:lstStyle/>
+                    <a:p>
+                      <a:pPr lvl="0" algn="l" fontAlgn="ctr"/>
+                      <a:r>
+                        <a:rPr lang="en-GB" sz="1400" u="none" strike="noStrike" dirty="0">
+                          <a:solidFill>
+                            <a:schemeClr val="bg1"/>
+                          </a:solidFill>
+                          <a:effectLst/>
+                          <a:latin typeface="+mn-lt"/>
+                        </a:rPr>
+                        <a:t>Oral methadone weekly</a:t>
+                      </a:r>
+                      <a:endParaRPr lang="en-GB" sz="1400" b="0" i="0" u="none" strike="noStrike" dirty="0">
+                        <a:solidFill>
+                          <a:schemeClr val="bg1"/>
+                        </a:solidFill>
+                        <a:effectLst/>
+                        <a:latin typeface="+mn-lt"/>
+                      </a:endParaRPr>
+                    </a:p>
+                  </a:txBody>
+                  <a:tcPr marL="302169" marR="10072" marT="10072" marB="0" anchor="ctr">
+                    <a:lnL w="12700" cap="flat" cmpd="sng" algn="ctr">
+                      <a:solidFill>
+                        <a:schemeClr val="tx1"/>
+                      </a:solidFill>
+                      <a:prstDash val="solid"/>
+                      <a:round/>
+                      <a:headEnd type="none" w="med" len="med"/>
+                      <a:tailEnd type="none" w="med" len="med"/>
+                    </a:lnL>
+                    <a:lnR w="12700" cap="flat" cmpd="sng" algn="ctr">
+                      <a:solidFill>
+                        <a:schemeClr val="tx1"/>
+                      </a:solidFill>
+                      <a:prstDash val="solid"/>
+                      <a:round/>
+                      <a:headEnd type="none" w="med" len="med"/>
+                      <a:tailEnd type="none" w="med" len="med"/>
+                    </a:lnR>
+                    <a:lnT w="12700" cap="flat" cmpd="sng" algn="ctr">
+                      <a:solidFill>
+                        <a:schemeClr val="tx1"/>
+                      </a:solidFill>
+                      <a:prstDash val="solid"/>
+                      <a:round/>
+                      <a:headEnd type="none" w="med" len="med"/>
+                      <a:tailEnd type="none" w="med" len="med"/>
+                    </a:lnT>
+                    <a:lnB w="12700" cap="flat" cmpd="sng" algn="ctr">
+                      <a:solidFill>
+                        <a:schemeClr val="tx1"/>
+                      </a:solidFill>
+                      <a:prstDash val="solid"/>
+                      <a:round/>
+                      <a:headEnd type="none" w="med" len="med"/>
+                      <a:tailEnd type="none" w="med" len="med"/>
+                    </a:lnB>
+                    <a:solidFill>
+                      <a:schemeClr val="accent1"/>
+                    </a:solidFill>
+                  </a:tcPr>
+                </a:tc>
+                <a:tc>
+                  <a:txBody>
+                    <a:bodyPr/>
+                    <a:lstStyle/>
+                    <a:p>
+                      <a:pPr algn="ctr" fontAlgn="ctr"/>
+                      <a:r>
+                        <a:rPr lang="en-GB" sz="1400" u="none" strike="noStrike" dirty="0">
+                          <a:effectLst/>
+                          <a:latin typeface="+mn-lt"/>
+                        </a:rPr>
+                        <a:t>£4,269</a:t>
+                      </a:r>
+                      <a:endParaRPr lang="en-GB" sz="1400" b="0" i="0" u="none" strike="noStrike" dirty="0">
+                        <a:solidFill>
+                          <a:srgbClr val="000000"/>
+                        </a:solidFill>
+                        <a:effectLst/>
+                        <a:latin typeface="+mn-lt"/>
+                      </a:endParaRPr>
+                    </a:p>
+                  </a:txBody>
+                  <a:tcPr marL="10072" marR="10072" marT="10072" marB="0" anchor="ctr">
+                    <a:lnL w="12700" cap="flat" cmpd="sng" algn="ctr">
+                      <a:solidFill>
+                        <a:schemeClr val="tx1"/>
+                      </a:solidFill>
+                      <a:prstDash val="solid"/>
+                      <a:round/>
+                      <a:headEnd type="none" w="med" len="med"/>
+                      <a:tailEnd type="none" w="med" len="med"/>
+                    </a:lnL>
+                    <a:lnR w="12700" cap="flat" cmpd="sng" algn="ctr">
+                      <a:solidFill>
+                        <a:schemeClr val="tx1"/>
+                      </a:solidFill>
+                      <a:prstDash val="solid"/>
+                      <a:round/>
+                      <a:headEnd type="none" w="med" len="med"/>
+                      <a:tailEnd type="none" w="med" len="med"/>
+                    </a:lnR>
+                    <a:lnT w="12700" cap="flat" cmpd="sng" algn="ctr">
+                      <a:solidFill>
+                        <a:schemeClr val="tx1"/>
+                      </a:solidFill>
+                      <a:prstDash val="solid"/>
+                      <a:round/>
+                      <a:headEnd type="none" w="med" len="med"/>
+                      <a:tailEnd type="none" w="med" len="med"/>
+                    </a:lnT>
+                    <a:lnB w="12700" cap="flat" cmpd="sng" algn="ctr">
+                      <a:solidFill>
+                        <a:schemeClr val="tx1"/>
+                      </a:solidFill>
+                      <a:prstDash val="solid"/>
+                      <a:round/>
+                      <a:headEnd type="none" w="med" len="med"/>
+                      <a:tailEnd type="none" w="med" len="med"/>
+                    </a:lnB>
+                  </a:tcPr>
+                </a:tc>
+                <a:tc>
+                  <a:txBody>
+                    <a:bodyPr/>
+                    <a:lstStyle/>
+                    <a:p>
+                      <a:pPr algn="ctr" fontAlgn="ctr"/>
+                      <a:r>
+                        <a:rPr lang="en-GB" sz="1400" u="none" strike="noStrike" dirty="0">
+                          <a:effectLst/>
+                          <a:latin typeface="+mn-lt"/>
+                        </a:rPr>
+                        <a:t>£2,716</a:t>
+                      </a:r>
+                      <a:endParaRPr lang="en-GB" sz="1400" b="0" i="0" u="none" strike="noStrike" dirty="0">
+                        <a:solidFill>
+                          <a:srgbClr val="000000"/>
+                        </a:solidFill>
+                        <a:effectLst/>
+                        <a:latin typeface="+mn-lt"/>
+                      </a:endParaRPr>
+                    </a:p>
+                  </a:txBody>
+                  <a:tcPr marL="10072" marR="10072" marT="10072" marB="0" anchor="ctr">
+                    <a:lnL w="12700" cap="flat" cmpd="sng" algn="ctr">
+                      <a:solidFill>
+                        <a:schemeClr val="tx1"/>
+                      </a:solidFill>
+                      <a:prstDash val="solid"/>
+                      <a:round/>
+                      <a:headEnd type="none" w="med" len="med"/>
+                      <a:tailEnd type="none" w="med" len="med"/>
+                    </a:lnL>
+                    <a:lnR w="12700" cap="flat" cmpd="sng" algn="ctr">
+                      <a:solidFill>
+                        <a:schemeClr val="tx1"/>
+                      </a:solidFill>
+                      <a:prstDash val="solid"/>
+                      <a:round/>
+                      <a:headEnd type="none" w="med" len="med"/>
+                      <a:tailEnd type="none" w="med" len="med"/>
+                    </a:lnR>
+                    <a:lnT w="12700" cap="flat" cmpd="sng" algn="ctr">
+                      <a:solidFill>
+                        <a:schemeClr val="tx1"/>
+                      </a:solidFill>
+                      <a:prstDash val="solid"/>
+                      <a:round/>
+                      <a:headEnd type="none" w="med" len="med"/>
+                      <a:tailEnd type="none" w="med" len="med"/>
+                    </a:lnT>
+                    <a:lnB w="12700" cap="flat" cmpd="sng" algn="ctr">
+                      <a:solidFill>
+                        <a:schemeClr val="tx1"/>
+                      </a:solidFill>
+                      <a:prstDash val="solid"/>
+                      <a:round/>
+                      <a:headEnd type="none" w="med" len="med"/>
+                      <a:tailEnd type="none" w="med" len="med"/>
+                    </a:lnB>
+                  </a:tcPr>
+                </a:tc>
+                <a:extLst>
+                  <a:ext uri="{0D108BD9-81ED-4DB2-BD59-A6C34878D82A}">
+                    <a16:rowId xmlns:a16="http://schemas.microsoft.com/office/drawing/2014/main" val="3919018024"/>
+                  </a:ext>
+                </a:extLst>
+              </a:tr>
+              <a:tr h="398894">
+                <a:tc>
+                  <a:txBody>
+                    <a:bodyPr/>
+                    <a:lstStyle/>
+                    <a:p>
+                      <a:pPr lvl="0" algn="l" fontAlgn="ctr"/>
+                      <a:r>
+                        <a:rPr lang="en-GB" sz="1400" u="none" strike="noStrike" dirty="0">
+                          <a:solidFill>
+                            <a:schemeClr val="bg1"/>
+                          </a:solidFill>
+                          <a:effectLst/>
+                          <a:latin typeface="+mn-lt"/>
+                        </a:rPr>
+                        <a:t>Oral methadone fortnightly</a:t>
+                      </a:r>
+                      <a:endParaRPr lang="en-GB" sz="1400" b="0" i="0" u="none" strike="noStrike" dirty="0">
+                        <a:solidFill>
+                          <a:schemeClr val="bg1"/>
+                        </a:solidFill>
+                        <a:effectLst/>
+                        <a:latin typeface="+mn-lt"/>
+                      </a:endParaRPr>
+                    </a:p>
+                  </a:txBody>
+                  <a:tcPr marL="302169" marR="10072" marT="10072" marB="0" anchor="ctr">
+                    <a:lnL w="12700" cap="flat" cmpd="sng" algn="ctr">
+                      <a:solidFill>
+                        <a:schemeClr val="tx1"/>
+                      </a:solidFill>
+                      <a:prstDash val="solid"/>
+                      <a:round/>
+                      <a:headEnd type="none" w="med" len="med"/>
+                      <a:tailEnd type="none" w="med" len="med"/>
+                    </a:lnL>
+                    <a:lnR w="12700" cap="flat" cmpd="sng" algn="ctr">
+                      <a:solidFill>
+                        <a:schemeClr val="tx1"/>
+                      </a:solidFill>
+                      <a:prstDash val="solid"/>
+                      <a:round/>
+                      <a:headEnd type="none" w="med" len="med"/>
+                      <a:tailEnd type="none" w="med" len="med"/>
+                    </a:lnR>
+                    <a:lnT w="12700" cap="flat" cmpd="sng" algn="ctr">
+                      <a:solidFill>
+                        <a:schemeClr val="tx1"/>
+                      </a:solidFill>
+                      <a:prstDash val="solid"/>
+                      <a:round/>
+                      <a:headEnd type="none" w="med" len="med"/>
+                      <a:tailEnd type="none" w="med" len="med"/>
+                    </a:lnT>
+                    <a:lnB w="12700" cap="flat" cmpd="sng" algn="ctr">
+                      <a:solidFill>
+                        <a:schemeClr val="tx1"/>
+                      </a:solidFill>
+                      <a:prstDash val="solid"/>
+                      <a:round/>
+                      <a:headEnd type="none" w="med" len="med"/>
+                      <a:tailEnd type="none" w="med" len="med"/>
+                    </a:lnB>
+                    <a:solidFill>
+                      <a:schemeClr val="accent1"/>
+                    </a:solidFill>
+                  </a:tcPr>
+                </a:tc>
+                <a:tc>
+                  <a:txBody>
+                    <a:bodyPr/>
+                    <a:lstStyle/>
+                    <a:p>
+                      <a:pPr algn="ctr" fontAlgn="ctr"/>
+                      <a:r>
+                        <a:rPr lang="en-GB" sz="1400" u="none" strike="noStrike" dirty="0">
+                          <a:effectLst/>
+                          <a:latin typeface="+mn-lt"/>
+                        </a:rPr>
+                        <a:t>£4,420</a:t>
+                      </a:r>
+                      <a:endParaRPr lang="en-GB" sz="1400" b="0" i="0" u="none" strike="noStrike" dirty="0">
+                        <a:solidFill>
+                          <a:srgbClr val="000000"/>
+                        </a:solidFill>
+                        <a:effectLst/>
+                        <a:latin typeface="+mn-lt"/>
+                      </a:endParaRPr>
+                    </a:p>
+                  </a:txBody>
+                  <a:tcPr marL="10072" marR="10072" marT="10072" marB="0" anchor="ctr">
+                    <a:lnL w="12700" cap="flat" cmpd="sng" algn="ctr">
+                      <a:solidFill>
+                        <a:schemeClr val="tx1"/>
+                      </a:solidFill>
+                      <a:prstDash val="solid"/>
+                      <a:round/>
+                      <a:headEnd type="none" w="med" len="med"/>
+                      <a:tailEnd type="none" w="med" len="med"/>
+                    </a:lnL>
+                    <a:lnR w="12700" cap="flat" cmpd="sng" algn="ctr">
+                      <a:solidFill>
+                        <a:schemeClr val="tx1"/>
+                      </a:solidFill>
+                      <a:prstDash val="solid"/>
+                      <a:round/>
+                      <a:headEnd type="none" w="med" len="med"/>
+                      <a:tailEnd type="none" w="med" len="med"/>
+                    </a:lnR>
+                    <a:lnT w="12700" cap="flat" cmpd="sng" algn="ctr">
+                      <a:solidFill>
+                        <a:schemeClr val="tx1"/>
+                      </a:solidFill>
+                      <a:prstDash val="solid"/>
+                      <a:round/>
+                      <a:headEnd type="none" w="med" len="med"/>
+                      <a:tailEnd type="none" w="med" len="med"/>
+                    </a:lnT>
+                    <a:lnB w="12700" cap="flat" cmpd="sng" algn="ctr">
+                      <a:solidFill>
+                        <a:schemeClr val="tx1"/>
+                      </a:solidFill>
+                      <a:prstDash val="solid"/>
+                      <a:round/>
+                      <a:headEnd type="none" w="med" len="med"/>
+                      <a:tailEnd type="none" w="med" len="med"/>
+                    </a:lnB>
+                  </a:tcPr>
+                </a:tc>
+                <a:tc>
+                  <a:txBody>
+                    <a:bodyPr/>
+                    <a:lstStyle/>
+                    <a:p>
+                      <a:pPr algn="ctr" fontAlgn="ctr"/>
+                      <a:r>
+                        <a:rPr lang="en-GB" sz="1400" u="none" strike="noStrike" dirty="0">
+                          <a:effectLst/>
+                          <a:latin typeface="+mn-lt"/>
+                        </a:rPr>
+                        <a:t>£2,866</a:t>
+                      </a:r>
+                      <a:endParaRPr lang="en-GB" sz="1400" b="0" i="0" u="none" strike="noStrike" dirty="0">
+                        <a:solidFill>
+                          <a:srgbClr val="000000"/>
+                        </a:solidFill>
+                        <a:effectLst/>
+                        <a:latin typeface="+mn-lt"/>
+                      </a:endParaRPr>
+                    </a:p>
+                  </a:txBody>
+                  <a:tcPr marL="10072" marR="10072" marT="10072" marB="0" anchor="ctr">
+                    <a:lnL w="12700" cap="flat" cmpd="sng" algn="ctr">
+                      <a:solidFill>
+                        <a:schemeClr val="tx1"/>
+                      </a:solidFill>
+                      <a:prstDash val="solid"/>
+                      <a:round/>
+                      <a:headEnd type="none" w="med" len="med"/>
+                      <a:tailEnd type="none" w="med" len="med"/>
+                    </a:lnL>
+                    <a:lnR w="12700" cap="flat" cmpd="sng" algn="ctr">
+                      <a:solidFill>
+                        <a:schemeClr val="tx1"/>
+                      </a:solidFill>
+                      <a:prstDash val="solid"/>
+                      <a:round/>
+                      <a:headEnd type="none" w="med" len="med"/>
+                      <a:tailEnd type="none" w="med" len="med"/>
+                    </a:lnR>
+                    <a:lnT w="12700" cap="flat" cmpd="sng" algn="ctr">
+                      <a:solidFill>
+                        <a:schemeClr val="tx1"/>
+                      </a:solidFill>
+                      <a:prstDash val="solid"/>
+                      <a:round/>
+                      <a:headEnd type="none" w="med" len="med"/>
+                      <a:tailEnd type="none" w="med" len="med"/>
+                    </a:lnT>
+                    <a:lnB w="12700" cap="flat" cmpd="sng" algn="ctr">
+                      <a:solidFill>
+                        <a:schemeClr val="tx1"/>
+                      </a:solidFill>
+                      <a:prstDash val="solid"/>
+                      <a:round/>
+                      <a:headEnd type="none" w="med" len="med"/>
+                      <a:tailEnd type="none" w="med" len="med"/>
+                    </a:lnB>
+                  </a:tcPr>
+                </a:tc>
+                <a:extLst>
+                  <a:ext uri="{0D108BD9-81ED-4DB2-BD59-A6C34878D82A}">
+                    <a16:rowId xmlns:a16="http://schemas.microsoft.com/office/drawing/2014/main" val="2955691916"/>
+                  </a:ext>
+                </a:extLst>
+              </a:tr>
+              <a:tr h="444872">
+                <a:tc>
+                  <a:txBody>
+                    <a:bodyPr/>
+                    <a:lstStyle/>
+                    <a:p>
+                      <a:pPr lvl="0" algn="l" fontAlgn="ctr"/>
+                      <a:r>
+                        <a:rPr lang="en-GB" sz="1400" u="none" strike="noStrike" dirty="0">
+                          <a:solidFill>
+                            <a:schemeClr val="bg1"/>
+                          </a:solidFill>
+                          <a:effectLst/>
+                          <a:latin typeface="+mn-lt"/>
+                        </a:rPr>
+                        <a:t>Oral methadone supervised daily</a:t>
+                      </a:r>
+                      <a:endParaRPr lang="en-GB" sz="1400" b="0" i="0" u="none" strike="noStrike" dirty="0">
+                        <a:solidFill>
+                          <a:schemeClr val="bg1"/>
+                        </a:solidFill>
+                        <a:effectLst/>
+                        <a:latin typeface="+mn-lt"/>
+                      </a:endParaRPr>
+                    </a:p>
+                  </a:txBody>
+                  <a:tcPr marL="302169" marR="10072" marT="10072" marB="0" anchor="ctr">
+                    <a:lnL w="12700" cap="flat" cmpd="sng" algn="ctr">
+                      <a:solidFill>
+                        <a:schemeClr val="tx1"/>
+                      </a:solidFill>
+                      <a:prstDash val="solid"/>
+                      <a:round/>
+                      <a:headEnd type="none" w="med" len="med"/>
+                      <a:tailEnd type="none" w="med" len="med"/>
+                    </a:lnL>
+                    <a:lnR w="12700" cap="flat" cmpd="sng" algn="ctr">
+                      <a:solidFill>
+                        <a:schemeClr val="tx1"/>
+                      </a:solidFill>
+                      <a:prstDash val="solid"/>
+                      <a:round/>
+                      <a:headEnd type="none" w="med" len="med"/>
+                      <a:tailEnd type="none" w="med" len="med"/>
+                    </a:lnR>
+                    <a:lnT w="12700" cap="flat" cmpd="sng" algn="ctr">
+                      <a:solidFill>
+                        <a:schemeClr val="tx1"/>
+                      </a:solidFill>
+                      <a:prstDash val="solid"/>
+                      <a:round/>
+                      <a:headEnd type="none" w="med" len="med"/>
+                      <a:tailEnd type="none" w="med" len="med"/>
+                    </a:lnT>
+                    <a:lnB w="12700" cap="flat" cmpd="sng" algn="ctr">
+                      <a:solidFill>
+                        <a:schemeClr val="tx1"/>
+                      </a:solidFill>
+                      <a:prstDash val="solid"/>
+                      <a:round/>
+                      <a:headEnd type="none" w="med" len="med"/>
+                      <a:tailEnd type="none" w="med" len="med"/>
+                    </a:lnB>
+                    <a:solidFill>
+                      <a:schemeClr val="accent1"/>
+                    </a:solidFill>
+                  </a:tcPr>
+                </a:tc>
+                <a:tc>
+                  <a:txBody>
+                    <a:bodyPr/>
+                    <a:lstStyle/>
+                    <a:p>
+                      <a:pPr algn="ctr" fontAlgn="ctr"/>
+                      <a:r>
+                        <a:rPr lang="en-GB" sz="1400" u="none" strike="noStrike" dirty="0">
+                          <a:effectLst/>
+                          <a:latin typeface="+mn-lt"/>
+                        </a:rPr>
+                        <a:t>£722</a:t>
+                      </a:r>
+                      <a:endParaRPr lang="en-GB" sz="1400" b="0" i="0" u="none" strike="noStrike" dirty="0">
+                        <a:solidFill>
+                          <a:srgbClr val="000000"/>
+                        </a:solidFill>
+                        <a:effectLst/>
+                        <a:latin typeface="+mn-lt"/>
+                      </a:endParaRPr>
+                    </a:p>
+                  </a:txBody>
+                  <a:tcPr marL="10072" marR="10072" marT="10072" marB="0" anchor="ctr">
+                    <a:lnL w="12700" cap="flat" cmpd="sng" algn="ctr">
+                      <a:solidFill>
+                        <a:schemeClr val="tx1"/>
+                      </a:solidFill>
+                      <a:prstDash val="solid"/>
+                      <a:round/>
+                      <a:headEnd type="none" w="med" len="med"/>
+                      <a:tailEnd type="none" w="med" len="med"/>
+                    </a:lnL>
+                    <a:lnR w="12700" cap="flat" cmpd="sng" algn="ctr">
+                      <a:solidFill>
+                        <a:schemeClr val="tx1"/>
+                      </a:solidFill>
+                      <a:prstDash val="solid"/>
+                      <a:round/>
+                      <a:headEnd type="none" w="med" len="med"/>
+                      <a:tailEnd type="none" w="med" len="med"/>
+                    </a:lnR>
+                    <a:lnT w="12700" cap="flat" cmpd="sng" algn="ctr">
+                      <a:solidFill>
+                        <a:schemeClr val="tx1"/>
+                      </a:solidFill>
+                      <a:prstDash val="solid"/>
+                      <a:round/>
+                      <a:headEnd type="none" w="med" len="med"/>
+                      <a:tailEnd type="none" w="med" len="med"/>
+                    </a:lnT>
+                    <a:lnB w="12700" cap="flat" cmpd="sng" algn="ctr">
+                      <a:solidFill>
+                        <a:schemeClr val="tx1"/>
+                      </a:solidFill>
+                      <a:prstDash val="solid"/>
+                      <a:round/>
+                      <a:headEnd type="none" w="med" len="med"/>
+                      <a:tailEnd type="none" w="med" len="med"/>
+                    </a:lnB>
+                  </a:tcPr>
+                </a:tc>
+                <a:tc>
+                  <a:txBody>
+                    <a:bodyPr/>
+                    <a:lstStyle/>
+                    <a:p>
+                      <a:pPr algn="ctr" fontAlgn="ctr"/>
+                      <a:r>
+                        <a:rPr lang="en-GB" sz="1400" u="none" strike="noStrike" dirty="0">
+                          <a:solidFill>
+                            <a:srgbClr val="00B050"/>
+                          </a:solidFill>
+                          <a:effectLst/>
+                          <a:latin typeface="+mn-lt"/>
+                        </a:rPr>
+                        <a:t>-£832</a:t>
+                      </a:r>
+                      <a:endParaRPr lang="en-GB" sz="1400" b="0" i="0" u="none" strike="noStrike" dirty="0">
+                        <a:solidFill>
+                          <a:srgbClr val="00B050"/>
+                        </a:solidFill>
+                        <a:effectLst/>
+                        <a:latin typeface="+mn-lt"/>
+                      </a:endParaRPr>
+                    </a:p>
+                  </a:txBody>
+                  <a:tcPr marL="10072" marR="10072" marT="10072" marB="0" anchor="ctr">
+                    <a:lnL w="12700" cap="flat" cmpd="sng" algn="ctr">
+                      <a:solidFill>
+                        <a:schemeClr val="tx1"/>
+                      </a:solidFill>
+                      <a:prstDash val="solid"/>
+                      <a:round/>
+                      <a:headEnd type="none" w="med" len="med"/>
+                      <a:tailEnd type="none" w="med" len="med"/>
+                    </a:lnL>
+                    <a:lnR w="12700" cap="flat" cmpd="sng" algn="ctr">
+                      <a:solidFill>
+                        <a:schemeClr val="tx1"/>
+                      </a:solidFill>
+                      <a:prstDash val="solid"/>
+                      <a:round/>
+                      <a:headEnd type="none" w="med" len="med"/>
+                      <a:tailEnd type="none" w="med" len="med"/>
+                    </a:lnR>
+                    <a:lnT w="12700" cap="flat" cmpd="sng" algn="ctr">
+                      <a:solidFill>
+                        <a:schemeClr val="tx1"/>
+                      </a:solidFill>
+                      <a:prstDash val="solid"/>
+                      <a:round/>
+                      <a:headEnd type="none" w="med" len="med"/>
+                      <a:tailEnd type="none" w="med" len="med"/>
+                    </a:lnT>
+                    <a:lnB w="12700" cap="flat" cmpd="sng" algn="ctr">
+                      <a:solidFill>
+                        <a:schemeClr val="tx1"/>
+                      </a:solidFill>
+                      <a:prstDash val="solid"/>
+                      <a:round/>
+                      <a:headEnd type="none" w="med" len="med"/>
+                      <a:tailEnd type="none" w="med" len="med"/>
+                    </a:lnB>
+                  </a:tcPr>
+                </a:tc>
+                <a:extLst>
+                  <a:ext uri="{0D108BD9-81ED-4DB2-BD59-A6C34878D82A}">
+                    <a16:rowId xmlns:a16="http://schemas.microsoft.com/office/drawing/2014/main" val="422872677"/>
+                  </a:ext>
+                </a:extLst>
+              </a:tr>
+              <a:tr h="444872">
+                <a:tc>
+                  <a:txBody>
+                    <a:bodyPr/>
+                    <a:lstStyle/>
+                    <a:p>
+                      <a:pPr lvl="0" algn="l" fontAlgn="ctr"/>
+                      <a:r>
+                        <a:rPr lang="en-GB" sz="1400" u="none" strike="noStrike" dirty="0">
+                          <a:solidFill>
+                            <a:schemeClr val="bg1"/>
+                          </a:solidFill>
+                          <a:effectLst/>
+                          <a:latin typeface="+mn-lt"/>
+                        </a:rPr>
+                        <a:t>Oral buprenorphine unsupervised </a:t>
+                      </a:r>
+                      <a:endParaRPr lang="en-GB" sz="1400" b="0" i="0" u="none" strike="noStrike" dirty="0">
+                        <a:solidFill>
+                          <a:schemeClr val="bg1"/>
+                        </a:solidFill>
+                        <a:effectLst/>
+                        <a:latin typeface="+mn-lt"/>
+                      </a:endParaRPr>
+                    </a:p>
+                  </a:txBody>
+                  <a:tcPr marL="302169" marR="10072" marT="10072" marB="0" anchor="ctr">
+                    <a:lnL w="12700" cap="flat" cmpd="sng" algn="ctr">
+                      <a:solidFill>
+                        <a:schemeClr val="tx1"/>
+                      </a:solidFill>
+                      <a:prstDash val="solid"/>
+                      <a:round/>
+                      <a:headEnd type="none" w="med" len="med"/>
+                      <a:tailEnd type="none" w="med" len="med"/>
+                    </a:lnL>
+                    <a:lnR w="12700" cap="flat" cmpd="sng" algn="ctr">
+                      <a:solidFill>
+                        <a:schemeClr val="tx1"/>
+                      </a:solidFill>
+                      <a:prstDash val="solid"/>
+                      <a:round/>
+                      <a:headEnd type="none" w="med" len="med"/>
+                      <a:tailEnd type="none" w="med" len="med"/>
+                    </a:lnR>
+                    <a:lnT w="12700" cap="flat" cmpd="sng" algn="ctr">
+                      <a:solidFill>
+                        <a:schemeClr val="tx1"/>
+                      </a:solidFill>
+                      <a:prstDash val="solid"/>
+                      <a:round/>
+                      <a:headEnd type="none" w="med" len="med"/>
+                      <a:tailEnd type="none" w="med" len="med"/>
+                    </a:lnT>
+                    <a:lnB w="12700" cap="flat" cmpd="sng" algn="ctr">
+                      <a:solidFill>
+                        <a:schemeClr val="tx1"/>
+                      </a:solidFill>
+                      <a:prstDash val="solid"/>
+                      <a:round/>
+                      <a:headEnd type="none" w="med" len="med"/>
+                      <a:tailEnd type="none" w="med" len="med"/>
+                    </a:lnB>
+                    <a:solidFill>
+                      <a:schemeClr val="accent1"/>
+                    </a:solidFill>
+                  </a:tcPr>
+                </a:tc>
+                <a:tc>
+                  <a:txBody>
+                    <a:bodyPr/>
+                    <a:lstStyle/>
+                    <a:p>
+                      <a:pPr algn="ctr" fontAlgn="ctr"/>
+                      <a:r>
+                        <a:rPr lang="en-GB" sz="1400" u="none" strike="noStrike" dirty="0">
+                          <a:effectLst/>
+                          <a:latin typeface="+mn-lt"/>
+                        </a:rPr>
+                        <a:t>£2,611</a:t>
+                      </a:r>
+                      <a:endParaRPr lang="en-GB" sz="1400" b="0" i="0" u="none" strike="noStrike" dirty="0">
+                        <a:solidFill>
+                          <a:srgbClr val="000000"/>
+                        </a:solidFill>
+                        <a:effectLst/>
+                        <a:latin typeface="+mn-lt"/>
+                      </a:endParaRPr>
+                    </a:p>
+                  </a:txBody>
+                  <a:tcPr marL="10072" marR="10072" marT="10072" marB="0" anchor="ctr">
+                    <a:lnL w="12700" cap="flat" cmpd="sng" algn="ctr">
+                      <a:solidFill>
+                        <a:schemeClr val="tx1"/>
+                      </a:solidFill>
+                      <a:prstDash val="solid"/>
+                      <a:round/>
+                      <a:headEnd type="none" w="med" len="med"/>
+                      <a:tailEnd type="none" w="med" len="med"/>
+                    </a:lnL>
+                    <a:lnR w="12700" cap="flat" cmpd="sng" algn="ctr">
+                      <a:solidFill>
+                        <a:schemeClr val="tx1"/>
+                      </a:solidFill>
+                      <a:prstDash val="solid"/>
+                      <a:round/>
+                      <a:headEnd type="none" w="med" len="med"/>
+                      <a:tailEnd type="none" w="med" len="med"/>
+                    </a:lnR>
+                    <a:lnT w="12700" cap="flat" cmpd="sng" algn="ctr">
+                      <a:solidFill>
+                        <a:schemeClr val="tx1"/>
+                      </a:solidFill>
+                      <a:prstDash val="solid"/>
+                      <a:round/>
+                      <a:headEnd type="none" w="med" len="med"/>
+                      <a:tailEnd type="none" w="med" len="med"/>
+                    </a:lnT>
+                    <a:lnB w="12700" cap="flat" cmpd="sng" algn="ctr">
+                      <a:solidFill>
+                        <a:schemeClr val="tx1"/>
+                      </a:solidFill>
+                      <a:prstDash val="solid"/>
+                      <a:round/>
+                      <a:headEnd type="none" w="med" len="med"/>
+                      <a:tailEnd type="none" w="med" len="med"/>
+                    </a:lnB>
+                  </a:tcPr>
+                </a:tc>
+                <a:tc>
+                  <a:txBody>
+                    <a:bodyPr/>
+                    <a:lstStyle/>
+                    <a:p>
+                      <a:pPr algn="ctr" fontAlgn="ctr"/>
+                      <a:r>
+                        <a:rPr lang="en-GB" sz="1400" u="none" strike="noStrike" dirty="0">
+                          <a:effectLst/>
+                          <a:latin typeface="+mn-lt"/>
+                        </a:rPr>
+                        <a:t>£1,057</a:t>
+                      </a:r>
+                      <a:endParaRPr lang="en-GB" sz="1400" b="0" i="0" u="none" strike="noStrike" dirty="0">
+                        <a:solidFill>
+                          <a:srgbClr val="000000"/>
+                        </a:solidFill>
+                        <a:effectLst/>
+                        <a:latin typeface="+mn-lt"/>
+                      </a:endParaRPr>
+                    </a:p>
+                  </a:txBody>
+                  <a:tcPr marL="10072" marR="10072" marT="10072" marB="0" anchor="ctr">
+                    <a:lnL w="12700" cap="flat" cmpd="sng" algn="ctr">
+                      <a:solidFill>
+                        <a:schemeClr val="tx1"/>
+                      </a:solidFill>
+                      <a:prstDash val="solid"/>
+                      <a:round/>
+                      <a:headEnd type="none" w="med" len="med"/>
+                      <a:tailEnd type="none" w="med" len="med"/>
+                    </a:lnL>
+                    <a:lnR w="12700" cap="flat" cmpd="sng" algn="ctr">
+                      <a:solidFill>
+                        <a:schemeClr val="tx1"/>
+                      </a:solidFill>
+                      <a:prstDash val="solid"/>
+                      <a:round/>
+                      <a:headEnd type="none" w="med" len="med"/>
+                      <a:tailEnd type="none" w="med" len="med"/>
+                    </a:lnR>
+                    <a:lnT w="12700" cap="flat" cmpd="sng" algn="ctr">
+                      <a:solidFill>
+                        <a:schemeClr val="tx1"/>
+                      </a:solidFill>
+                      <a:prstDash val="solid"/>
+                      <a:round/>
+                      <a:headEnd type="none" w="med" len="med"/>
+                      <a:tailEnd type="none" w="med" len="med"/>
+                    </a:lnT>
+                    <a:lnB w="12700" cap="flat" cmpd="sng" algn="ctr">
+                      <a:solidFill>
+                        <a:schemeClr val="tx1"/>
+                      </a:solidFill>
+                      <a:prstDash val="solid"/>
+                      <a:round/>
+                      <a:headEnd type="none" w="med" len="med"/>
+                      <a:tailEnd type="none" w="med" len="med"/>
+                    </a:lnB>
+                  </a:tcPr>
+                </a:tc>
+                <a:extLst>
+                  <a:ext uri="{0D108BD9-81ED-4DB2-BD59-A6C34878D82A}">
+                    <a16:rowId xmlns:a16="http://schemas.microsoft.com/office/drawing/2014/main" val="1428556878"/>
+                  </a:ext>
+                </a:extLst>
+              </a:tr>
+              <a:tr h="444872">
+                <a:tc>
+                  <a:txBody>
+                    <a:bodyPr/>
+                    <a:lstStyle/>
+                    <a:p>
+                      <a:pPr lvl="0" algn="l" fontAlgn="ctr"/>
+                      <a:r>
+                        <a:rPr lang="en-GB" sz="1400" u="none" strike="noStrike" dirty="0">
+                          <a:solidFill>
+                            <a:schemeClr val="bg1"/>
+                          </a:solidFill>
+                          <a:effectLst/>
+                          <a:latin typeface="+mn-lt"/>
+                        </a:rPr>
+                        <a:t>Oral buprenorphine supervised daily</a:t>
+                      </a:r>
+                      <a:endParaRPr lang="en-GB" sz="1400" b="0" i="0" u="none" strike="noStrike" dirty="0">
+                        <a:solidFill>
+                          <a:schemeClr val="bg1"/>
+                        </a:solidFill>
+                        <a:effectLst/>
+                        <a:latin typeface="+mn-lt"/>
+                      </a:endParaRPr>
+                    </a:p>
+                  </a:txBody>
+                  <a:tcPr marL="302169" marR="10072" marT="10072" marB="0" anchor="ctr">
+                    <a:lnL w="12700" cap="flat" cmpd="sng" algn="ctr">
+                      <a:solidFill>
+                        <a:schemeClr val="tx1"/>
+                      </a:solidFill>
+                      <a:prstDash val="solid"/>
+                      <a:round/>
+                      <a:headEnd type="none" w="med" len="med"/>
+                      <a:tailEnd type="none" w="med" len="med"/>
+                    </a:lnL>
+                    <a:lnR w="12700" cap="flat" cmpd="sng" algn="ctr">
+                      <a:solidFill>
+                        <a:schemeClr val="tx1"/>
+                      </a:solidFill>
+                      <a:prstDash val="solid"/>
+                      <a:round/>
+                      <a:headEnd type="none" w="med" len="med"/>
+                      <a:tailEnd type="none" w="med" len="med"/>
+                    </a:lnR>
+                    <a:lnT w="12700" cap="flat" cmpd="sng" algn="ctr">
+                      <a:solidFill>
+                        <a:schemeClr val="tx1"/>
+                      </a:solidFill>
+                      <a:prstDash val="solid"/>
+                      <a:round/>
+                      <a:headEnd type="none" w="med" len="med"/>
+                      <a:tailEnd type="none" w="med" len="med"/>
+                    </a:lnT>
+                    <a:lnB w="12700" cap="flat" cmpd="sng" algn="ctr">
+                      <a:solidFill>
+                        <a:schemeClr val="tx1"/>
+                      </a:solidFill>
+                      <a:prstDash val="solid"/>
+                      <a:round/>
+                      <a:headEnd type="none" w="med" len="med"/>
+                      <a:tailEnd type="none" w="med" len="med"/>
+                    </a:lnB>
+                    <a:solidFill>
+                      <a:schemeClr val="accent1"/>
+                    </a:solidFill>
+                  </a:tcPr>
+                </a:tc>
+                <a:tc>
+                  <a:txBody>
+                    <a:bodyPr/>
+                    <a:lstStyle/>
+                    <a:p>
+                      <a:pPr algn="ctr" fontAlgn="ctr"/>
+                      <a:r>
+                        <a:rPr lang="en-GB" sz="1400" u="none" strike="noStrike" dirty="0">
+                          <a:effectLst/>
+                          <a:latin typeface="+mn-lt"/>
+                        </a:rPr>
+                        <a:t>£878</a:t>
+                      </a:r>
+                      <a:endParaRPr lang="en-GB" sz="1400" b="0" i="0" u="none" strike="noStrike" dirty="0">
+                        <a:solidFill>
+                          <a:srgbClr val="000000"/>
+                        </a:solidFill>
+                        <a:effectLst/>
+                        <a:latin typeface="+mn-lt"/>
+                      </a:endParaRPr>
+                    </a:p>
+                  </a:txBody>
+                  <a:tcPr marL="10072" marR="10072" marT="10072" marB="0" anchor="ctr">
+                    <a:lnL w="12700" cap="flat" cmpd="sng" algn="ctr">
+                      <a:solidFill>
+                        <a:schemeClr val="tx1"/>
+                      </a:solidFill>
+                      <a:prstDash val="solid"/>
+                      <a:round/>
+                      <a:headEnd type="none" w="med" len="med"/>
+                      <a:tailEnd type="none" w="med" len="med"/>
+                    </a:lnL>
+                    <a:lnR w="12700" cap="flat" cmpd="sng" algn="ctr">
+                      <a:solidFill>
+                        <a:schemeClr val="tx1"/>
+                      </a:solidFill>
+                      <a:prstDash val="solid"/>
+                      <a:round/>
+                      <a:headEnd type="none" w="med" len="med"/>
+                      <a:tailEnd type="none" w="med" len="med"/>
+                    </a:lnR>
+                    <a:lnT w="12700" cap="flat" cmpd="sng" algn="ctr">
+                      <a:solidFill>
+                        <a:schemeClr val="tx1"/>
+                      </a:solidFill>
+                      <a:prstDash val="solid"/>
+                      <a:round/>
+                      <a:headEnd type="none" w="med" len="med"/>
+                      <a:tailEnd type="none" w="med" len="med"/>
+                    </a:lnT>
+                    <a:lnB w="12700" cap="flat" cmpd="sng" algn="ctr">
+                      <a:solidFill>
+                        <a:schemeClr val="tx1"/>
+                      </a:solidFill>
+                      <a:prstDash val="solid"/>
+                      <a:round/>
+                      <a:headEnd type="none" w="med" len="med"/>
+                      <a:tailEnd type="none" w="med" len="med"/>
+                    </a:lnB>
+                  </a:tcPr>
+                </a:tc>
+                <a:tc>
+                  <a:txBody>
+                    <a:bodyPr/>
+                    <a:lstStyle/>
+                    <a:p>
+                      <a:pPr algn="ctr" fontAlgn="ctr"/>
+                      <a:r>
+                        <a:rPr lang="en-GB" sz="1400" u="none" strike="noStrike" dirty="0">
+                          <a:solidFill>
+                            <a:srgbClr val="00B050"/>
+                          </a:solidFill>
+                          <a:effectLst/>
+                          <a:latin typeface="+mn-lt"/>
+                        </a:rPr>
+                        <a:t>-£676</a:t>
+                      </a:r>
+                      <a:endParaRPr lang="en-GB" sz="1400" b="0" i="0" u="none" strike="noStrike" dirty="0">
+                        <a:solidFill>
+                          <a:srgbClr val="00B050"/>
+                        </a:solidFill>
+                        <a:effectLst/>
+                        <a:latin typeface="+mn-lt"/>
+                      </a:endParaRPr>
+                    </a:p>
+                  </a:txBody>
+                  <a:tcPr marL="10072" marR="10072" marT="10072" marB="0" anchor="ctr">
+                    <a:lnL w="12700" cap="flat" cmpd="sng" algn="ctr">
+                      <a:solidFill>
+                        <a:schemeClr val="tx1"/>
+                      </a:solidFill>
+                      <a:prstDash val="solid"/>
+                      <a:round/>
+                      <a:headEnd type="none" w="med" len="med"/>
+                      <a:tailEnd type="none" w="med" len="med"/>
+                    </a:lnL>
+                    <a:lnR w="12700" cap="flat" cmpd="sng" algn="ctr">
+                      <a:solidFill>
+                        <a:schemeClr val="tx1"/>
+                      </a:solidFill>
+                      <a:prstDash val="solid"/>
+                      <a:round/>
+                      <a:headEnd type="none" w="med" len="med"/>
+                      <a:tailEnd type="none" w="med" len="med"/>
+                    </a:lnR>
+                    <a:lnT w="12700" cap="flat" cmpd="sng" algn="ctr">
+                      <a:solidFill>
+                        <a:schemeClr val="tx1"/>
+                      </a:solidFill>
+                      <a:prstDash val="solid"/>
+                      <a:round/>
+                      <a:headEnd type="none" w="med" len="med"/>
+                      <a:tailEnd type="none" w="med" len="med"/>
+                    </a:lnT>
+                    <a:lnB w="12700" cap="flat" cmpd="sng" algn="ctr">
+                      <a:solidFill>
+                        <a:schemeClr val="tx1"/>
+                      </a:solidFill>
+                      <a:prstDash val="solid"/>
+                      <a:round/>
+                      <a:headEnd type="none" w="med" len="med"/>
+                      <a:tailEnd type="none" w="med" len="med"/>
+                    </a:lnB>
+                  </a:tcPr>
+                </a:tc>
+                <a:extLst>
+                  <a:ext uri="{0D108BD9-81ED-4DB2-BD59-A6C34878D82A}">
+                    <a16:rowId xmlns:a16="http://schemas.microsoft.com/office/drawing/2014/main" val="2720473770"/>
+                  </a:ext>
+                </a:extLst>
+              </a:tr>
+            </a:tbl>
+          </a:graphicData>
+        </a:graphic>
+      </p:graphicFrame>
+      <p:sp>
+        <p:nvSpPr>
+          <p:cNvPr id="6" name="TextBox 5">
+            <a:extLst>
+              <a:ext uri="{FF2B5EF4-FFF2-40B4-BE49-F238E27FC236}">
+                <a16:creationId xmlns:a16="http://schemas.microsoft.com/office/drawing/2014/main" id="{6D27FE64-33B3-C386-0E97-5E75C3A09D36}"/>
+              </a:ext>
+            </a:extLst>
+          </p:cNvPr>
+          <p:cNvSpPr txBox="1"/>
+          <p:nvPr/>
+        </p:nvSpPr>
+        <p:spPr>
+          <a:xfrm>
+            <a:off x="244181" y="3653124"/>
+            <a:ext cx="8323989" cy="1123384"/>
+          </a:xfrm>
+          <a:prstGeom prst="rect">
+            <a:avLst/>
+          </a:prstGeom>
+          <a:noFill/>
+        </p:spPr>
+        <p:txBody>
+          <a:bodyPr wrap="square" rtlCol="0">
+            <a:spAutoFit/>
+          </a:bodyPr>
+          <a:lstStyle/>
+          <a:p>
+            <a:r>
+              <a:rPr lang="en-GB" sz="1100" dirty="0"/>
+              <a:t>Assumptions:</a:t>
+            </a:r>
+          </a:p>
+          <a:p>
+            <a:r>
+              <a:rPr lang="en-GB" sz="1100" dirty="0"/>
+              <a:t>1. Oral OST supervision is by an </a:t>
+            </a:r>
+            <a:r>
+              <a:rPr lang="en-GB" sz="1100" dirty="0" err="1"/>
+              <a:t>AfC</a:t>
+            </a:r>
+            <a:r>
+              <a:rPr lang="en-GB" sz="1100" dirty="0"/>
+              <a:t> band 4 pharmacy technician.</a:t>
+            </a:r>
+          </a:p>
+          <a:p>
+            <a:r>
+              <a:rPr lang="en-GB" sz="1100" dirty="0"/>
+              <a:t>2. Depot buprenorphine injection is administered by a pharmacist ~ </a:t>
+            </a:r>
+            <a:r>
+              <a:rPr lang="en-GB" sz="1100" dirty="0" err="1"/>
+              <a:t>AfC</a:t>
+            </a:r>
+            <a:r>
+              <a:rPr lang="en-GB" sz="1100" dirty="0"/>
+              <a:t> band 7.</a:t>
+            </a:r>
+          </a:p>
+          <a:p>
+            <a:r>
+              <a:rPr lang="en-GB" sz="1100" dirty="0"/>
+              <a:t>3. Other costs such as licencing, controlled drug storage, and training are assumed to be similar for all OST types and therefore not relevant for a comparison</a:t>
+            </a:r>
+          </a:p>
+          <a:p>
+            <a:endParaRPr lang="en-GB" sz="1200" dirty="0"/>
+          </a:p>
+        </p:txBody>
+      </p:sp>
+    </p:spTree>
+    <p:extLst>
+      <p:ext uri="{BB962C8B-B14F-4D97-AF65-F5344CB8AC3E}">
+        <p14:creationId xmlns:p14="http://schemas.microsoft.com/office/powerpoint/2010/main" val="1879757732"/>
+      </p:ext>
+    </p:extLst>
+  </p:cSld>
+  <p:clrMapOvr>
+    <a:masterClrMapping/>
+  </p:clrMapOvr>
+</p:sld>
+</file>
+
 <file path=ppt/theme/theme1.xml><?xml version="1.0" encoding="utf-8"?>
 <a:theme xmlns:a="http://schemas.openxmlformats.org/drawingml/2006/main" name="Office Theme">
   <a:themeElements>
